--- a/WGRDBESstockCoord/format/WGRDBES-StockCoord_3th_meeting_2025_format.pptx
+++ b/WGRDBESstockCoord/format/WGRDBES-StockCoord_3th_meeting_2025_format.pptx
@@ -12313,7 +12313,7 @@
           <p:nvPr>
             <p:extLst>
               <p:ext uri="{D42A27DB-BD31-4B8C-83A1-F6EECF244321}">
-                <p14:modId xmlns:p14="http://schemas.microsoft.com/office/powerpoint/2010/main" val="585479476"/>
+                <p14:modId xmlns:p14="http://schemas.microsoft.com/office/powerpoint/2010/main" val="3375165800"/>
               </p:ext>
             </p:extLst>
           </p:nvPr>
@@ -12624,10 +12624,6 @@
                     <a:lstStyle/>
                     <a:p>
                       <a:pPr algn="ctr"/>
-                      <a:r>
-                        <a:rPr lang="en-US" dirty="0" smtClean="0"/>
-                        <a:t>O</a:t>
-                      </a:r>
                       <a:endParaRPr lang="nl-BE" dirty="0"/>
                     </a:p>
                   </a:txBody>
@@ -27149,23 +27145,6 @@
 </file>
 
 <file path=customXml/item1.xml><?xml version="1.0" encoding="utf-8"?>
-<p:properties xmlns:p="http://schemas.microsoft.com/office/2006/metadata/properties" xmlns:xsi="http://www.w3.org/2001/XMLSchema-instance" xmlns:pc="http://schemas.microsoft.com/office/infopath/2007/PartnerControls">
-  <documentManagement>
-    <_activity xmlns="7a1eb6d5-a70a-4ceb-8fec-327d8b199140" xsi:nil="true"/>
-  </documentManagement>
-</p:properties>
-</file>
-
-<file path=customXml/item2.xml><?xml version="1.0" encoding="utf-8"?>
-<?mso-contentType ?>
-<FormTemplates xmlns="http://schemas.microsoft.com/sharepoint/v3/contenttype/forms">
-  <Display>DocumentLibraryForm</Display>
-  <Edit>DocumentLibraryForm</Edit>
-  <New>DocumentLibraryForm</New>
-</FormTemplates>
-</file>
-
-<file path=customXml/item3.xml><?xml version="1.0" encoding="utf-8"?>
 <ct:contentTypeSchema xmlns:ct="http://schemas.microsoft.com/office/2006/metadata/contentType" xmlns:ma="http://schemas.microsoft.com/office/2006/metadata/properties/metaAttributes" ct:_="" ma:_="" ma:contentTypeName="Document" ma:contentTypeID="0x0101008469038B51DD664BA792E5B9349EAEDF" ma:contentTypeVersion="16" ma:contentTypeDescription="Een nieuw document maken." ma:contentTypeScope="" ma:versionID="2a396c52e592b7316f9e4aaa23a730e0">
   <xsd:schema xmlns:xsd="http://www.w3.org/2001/XMLSchema" xmlns:xs="http://www.w3.org/2001/XMLSchema" xmlns:p="http://schemas.microsoft.com/office/2006/metadata/properties" xmlns:ns3="7a1eb6d5-a70a-4ceb-8fec-327d8b199140" xmlns:ns4="89349f40-640c-4e7d-93d0-39fca4dfad84" targetNamespace="http://schemas.microsoft.com/office/2006/metadata/properties" ma:root="true" ma:fieldsID="08d42017fba606ce8a06f124aafd56a7" ns3:_="" ns4:_="">
     <xsd:import namespace="7a1eb6d5-a70a-4ceb-8fec-327d8b199140"/>
@@ -27404,32 +27383,24 @@
 </ct:contentTypeSchema>
 </file>
 
-<file path=customXml/itemProps1.xml><?xml version="1.0" encoding="utf-8"?>
-<ds:datastoreItem xmlns:ds="http://schemas.openxmlformats.org/officeDocument/2006/customXml" ds:itemID="{778D570E-270E-49FA-91BB-D4A9755DC2CF}">
-  <ds:schemaRefs>
-    <ds:schemaRef ds:uri="http://purl.org/dc/terms/"/>
-    <ds:schemaRef ds:uri="http://schemas.openxmlformats.org/package/2006/metadata/core-properties"/>
-    <ds:schemaRef ds:uri="http://purl.org/dc/dcmitype/"/>
-    <ds:schemaRef ds:uri="http://schemas.microsoft.com/office/infopath/2007/PartnerControls"/>
-    <ds:schemaRef ds:uri="http://purl.org/dc/elements/1.1/"/>
-    <ds:schemaRef ds:uri="http://schemas.microsoft.com/office/2006/metadata/properties"/>
-    <ds:schemaRef ds:uri="http://schemas.microsoft.com/office/2006/documentManagement/types"/>
-    <ds:schemaRef ds:uri="89349f40-640c-4e7d-93d0-39fca4dfad84"/>
-    <ds:schemaRef ds:uri="7a1eb6d5-a70a-4ceb-8fec-327d8b199140"/>
-    <ds:schemaRef ds:uri="http://www.w3.org/XML/1998/namespace"/>
-  </ds:schemaRefs>
-</ds:datastoreItem>
+<file path=customXml/item2.xml><?xml version="1.0" encoding="utf-8"?>
+<?mso-contentType ?>
+<FormTemplates xmlns="http://schemas.microsoft.com/sharepoint/v3/contenttype/forms">
+  <Display>DocumentLibraryForm</Display>
+  <Edit>DocumentLibraryForm</Edit>
+  <New>DocumentLibraryForm</New>
+</FormTemplates>
 </file>
 
-<file path=customXml/itemProps2.xml><?xml version="1.0" encoding="utf-8"?>
-<ds:datastoreItem xmlns:ds="http://schemas.openxmlformats.org/officeDocument/2006/customXml" ds:itemID="{027F91AF-5E11-419C-9E18-13042EC9D2F1}">
-  <ds:schemaRefs>
-    <ds:schemaRef ds:uri="http://schemas.microsoft.com/sharepoint/v3/contenttype/forms"/>
-  </ds:schemaRefs>
-</ds:datastoreItem>
+<file path=customXml/item3.xml><?xml version="1.0" encoding="utf-8"?>
+<p:properties xmlns:p="http://schemas.microsoft.com/office/2006/metadata/properties" xmlns:xsi="http://www.w3.org/2001/XMLSchema-instance" xmlns:pc="http://schemas.microsoft.com/office/infopath/2007/PartnerControls">
+  <documentManagement>
+    <_activity xmlns="7a1eb6d5-a70a-4ceb-8fec-327d8b199140" xsi:nil="true"/>
+  </documentManagement>
+</p:properties>
 </file>
 
-<file path=customXml/itemProps3.xml><?xml version="1.0" encoding="utf-8"?>
+<file path=customXml/itemProps1.xml><?xml version="1.0" encoding="utf-8"?>
 <ds:datastoreItem xmlns:ds="http://schemas.openxmlformats.org/officeDocument/2006/customXml" ds:itemID="{152944C8-3C06-48F4-8EC4-AFF28A455663}">
   <ds:schemaRefs>
     <ds:schemaRef ds:uri="http://schemas.microsoft.com/office/2006/metadata/contentType"/>
@@ -27446,4 +27417,29 @@
     <ds:schemaRef ds:uri="http://schemas.microsoft.com/internal/obd"/>
   </ds:schemaRefs>
 </ds:datastoreItem>
+</file>
+
+<file path=customXml/itemProps2.xml><?xml version="1.0" encoding="utf-8"?>
+<ds:datastoreItem xmlns:ds="http://schemas.openxmlformats.org/officeDocument/2006/customXml" ds:itemID="{027F91AF-5E11-419C-9E18-13042EC9D2F1}">
+  <ds:schemaRefs>
+    <ds:schemaRef ds:uri="http://schemas.microsoft.com/sharepoint/v3/contenttype/forms"/>
+  </ds:schemaRefs>
+</ds:datastoreItem>
+</file>
+
+<file path=customXml/itemProps3.xml><?xml version="1.0" encoding="utf-8"?>
+<ds:datastoreItem xmlns:ds="http://schemas.openxmlformats.org/officeDocument/2006/customXml" ds:itemID="{778D570E-270E-49FA-91BB-D4A9755DC2CF}">
+  <ds:schemaRefs>
+    <ds:schemaRef ds:uri="7a1eb6d5-a70a-4ceb-8fec-327d8b199140"/>
+    <ds:schemaRef ds:uri="http://purl.org/dc/terms/"/>
+    <ds:schemaRef ds:uri="http://schemas.openxmlformats.org/package/2006/metadata/core-properties"/>
+    <ds:schemaRef ds:uri="http://purl.org/dc/dcmitype/"/>
+    <ds:schemaRef ds:uri="http://schemas.microsoft.com/office/2006/documentManagement/types"/>
+    <ds:schemaRef ds:uri="http://purl.org/dc/elements/1.1/"/>
+    <ds:schemaRef ds:uri="http://schemas.microsoft.com/office/2006/metadata/properties"/>
+    <ds:schemaRef ds:uri="http://schemas.microsoft.com/office/infopath/2007/PartnerControls"/>
+    <ds:schemaRef ds:uri="89349f40-640c-4e7d-93d0-39fca4dfad84"/>
+    <ds:schemaRef ds:uri="http://www.w3.org/XML/1998/namespace"/>
+  </ds:schemaRefs>
+</ds:datastoreItem>
 </file>